--- a/training-cards/music moves/01_musicmoves_templates/ger_apprentice_training_card_template_mm_cc.pptx
+++ b/training-cards/music moves/01_musicmoves_templates/ger_apprentice_training_card_template_mm_cc.pptx
@@ -443,7 +443,7 @@
                 <a:latin typeface="Avenir Heavy"/>
                 <a:cs typeface="Avenir Heavy"/>
               </a:rPr>
-              <a:t>TR	AININGS</a:t>
+              <a:t>TRAININGS</a:t>
             </a:r>
             <a:r>
               <a:rPr lang="de-DE" sz="2400" dirty="0" smtClean="0">
@@ -620,7 +620,7 @@
                 <a:latin typeface="Avenir Light"/>
                 <a:cs typeface="Avenir Light"/>
               </a:rPr>
-              <a:t>08.11.15</a:t>
+              <a:t>24.01.16</a:t>
             </a:fld>
             <a:endParaRPr lang="de-DE" sz="600" dirty="0">
               <a:solidFill>
@@ -702,7 +702,7 @@
           <a:p>
             <a:fld id="{FF5B2BAF-DF38-0A48-A798-0C06E514FD52}" type="datetimeFigureOut">
               <a:rPr lang="de-DE" smtClean="0"/>
-              <a:t>08.11.15</a:t>
+              <a:t>24.01.16</a:t>
             </a:fld>
             <a:endParaRPr lang="de-DE" dirty="0"/>
           </a:p>
@@ -924,7 +924,7 @@
           <a:p>
             <a:fld id="{FF5B2BAF-DF38-0A48-A798-0C06E514FD52}" type="datetimeFigureOut">
               <a:rPr lang="de-DE" smtClean="0"/>
-              <a:t>08.11.15</a:t>
+              <a:t>24.01.16</a:t>
             </a:fld>
             <a:endParaRPr lang="de-DE" dirty="0"/>
           </a:p>
@@ -1185,7 +1185,7 @@
                 <a:latin typeface="Avenir Heavy"/>
                 <a:cs typeface="Avenir Heavy"/>
               </a:rPr>
-              <a:t>PAI 01</a:t>
+              <a:t>ITE 03</a:t>
             </a:r>
             <a:endParaRPr lang="de-DE" sz="1050" b="1" dirty="0">
               <a:solidFill>
@@ -1568,7 +1568,7 @@
         <p:spPr>
           <a:xfrm>
             <a:off x="1166813" y="677178"/>
-            <a:ext cx="5083886" cy="830997"/>
+            <a:ext cx="5083886" cy="461665"/>
           </a:xfrm>
         </p:spPr>
         <p:txBody>
@@ -1580,11 +1580,11 @@
                 <a:latin typeface="Avenir Heavy"/>
                 <a:cs typeface="Avenir Heavy"/>
               </a:rPr>
-              <a:t>AUFMERKSAMKEIT</a:t>
+              <a:t>DIE MAGI</a:t>
             </a:r>
             <a:r>
               <a:rPr lang="de-DE" dirty="0" smtClean="0"/>
-              <a:t> SCHENKEN</a:t>
+              <a:t>SCHE LINIE</a:t>
             </a:r>
             <a:endParaRPr lang="de-DE" dirty="0"/>
           </a:p>
@@ -1609,85 +1609,37 @@
           <a:p>
             <a:r>
               <a:rPr lang="de-DE" sz="1200" dirty="0"/>
-              <a:t>"Pair </a:t>
-            </a:r>
-            <a:r>
-              <a:rPr lang="de-DE" sz="1200" dirty="0" err="1"/>
-              <a:t>Programming</a:t>
-            </a:r>
+              <a:t>Wenn Du mit den Schwierigkeitsstufen des Phrasendiagramms arbeitest, wirst Du vielleicht bemerkt haben, dass Du einige schwierige Stellen üben musst und ab einer bestimmten Grenze das gesamte Stück beherrschst, obwohl Du Dich nur auf die schwierigsten Stellen konzentriert hast.</a:t>
+            </a:r>
+          </a:p>
+          <a:p>
             <a:r>
               <a:rPr lang="de-DE" sz="1200" dirty="0"/>
-              <a:t>" ist eine Arbeitstechnik aus der agilen Software-Entwicklung, die für Musiker als "Pair </a:t>
-            </a:r>
-            <a:r>
-              <a:rPr lang="de-DE" sz="1200" dirty="0" err="1"/>
-              <a:t>Practicing</a:t>
-            </a:r>
+              <a:t>Diese Grenze hat den Namen "magische Linie" bekommen. Du kannst sie in Deinem Phrasendiagramm finden. Sie lässt sich von dir subjektiv wahrnehmen und sitzt zwischen zwei Schwierigkeitsstufen. </a:t>
+            </a:r>
+          </a:p>
+          <a:p>
             <a:r>
               <a:rPr lang="de-DE" sz="1200" dirty="0"/>
-              <a:t>" übernommen werden kann. Dabei nehmen sich zwei Partner zusammen Zeit fürs Üben, wo normalerweise alleine geübt wird.</a:t>
-            </a:r>
-          </a:p>
-          <a:p>
+              <a:t>Die magische Linie ist in </a:t>
+            </a:r>
+            <a:r>
+              <a:rPr lang="de-DE" sz="1200" dirty="0" smtClean="0"/>
+              <a:t>jedem </a:t>
+            </a:r>
             <a:r>
               <a:rPr lang="de-DE" sz="1200" dirty="0"/>
-              <a:t>Die Zeit, die man zu zweit verbringt, ist sehr wertvoll. Es empfiehlt sich vorher ein Ende der </a:t>
-            </a:r>
-            <a:r>
-              <a:rPr lang="de-DE" sz="1200" dirty="0" err="1"/>
-              <a:t>Übeeinheit</a:t>
-            </a:r>
+              <a:t>Stück an einer anderen Stelle zu finden. Wenn Du z.B. alle Phrasen mit einschließlich Schwierigkeitsstufe 4 geübt hast, bemerkst du plötzlich, dass alle Phrasen ab Stufe 3 plötzlich von selbst funktionieren und keine besondere Aufmerksamkeit von dir mehr benötigen.</a:t>
+            </a:r>
+          </a:p>
+          <a:p>
             <a:r>
               <a:rPr lang="de-DE" sz="1200" dirty="0"/>
-              <a:t> zu definieren und einen </a:t>
-            </a:r>
-            <a:r>
-              <a:rPr lang="de-DE" sz="1200" dirty="0" err="1"/>
-              <a:t>Timer</a:t>
-            </a:r>
-            <a:r>
-              <a:rPr lang="de-DE" sz="1200" dirty="0"/>
-              <a:t> mitlaufen zu lassen. Es bietet sich an diesen Move mit der Tomatentechnik (siehe </a:t>
+              <a:t>Das kommt daher, weil Du die Herausforderungen in dem Stück von Grund auf verinnerlicht hast und andere Stellen ähnlich gelagert sind und somit </a:t>
             </a:r>
             <a:r>
               <a:rPr lang="de-DE" sz="1200" dirty="0" smtClean="0"/>
-              <a:t>TOM 08</a:t>
-            </a:r>
-            <a:r>
-              <a:rPr lang="de-DE" sz="1200" dirty="0"/>
-              <a:t>) zu kombinieren.  </a:t>
-            </a:r>
-          </a:p>
-          <a:p>
-            <a:r>
-              <a:rPr lang="de-DE" sz="1200" dirty="0"/>
-              <a:t>Es gibt verteilte Rollen, die gleichberechtigt sind: Der Pilot führt das Üben aktiv aus und der Navigator sitzt dabei und hört zu. Er unterstützt den Prozess mit seiner Aufmerksamkeit. </a:t>
-            </a:r>
-          </a:p>
-          <a:p>
-            <a:r>
-              <a:rPr lang="de-DE" sz="1200" dirty="0"/>
-              <a:t>Aufgabe des </a:t>
-            </a:r>
-            <a:r>
-              <a:rPr lang="de-DE" sz="1200" dirty="0" err="1"/>
-              <a:t>Pilotes</a:t>
-            </a:r>
-            <a:r>
-              <a:rPr lang="de-DE" sz="1200" dirty="0"/>
-              <a:t> ist einfach nur drauf los zu üben, wie er es sonst auch täte.</a:t>
-            </a:r>
-          </a:p>
-          <a:p>
-            <a:r>
-              <a:rPr lang="de-DE" sz="1200" dirty="0"/>
-              <a:t>Der Navigator wohnt dem Üben schweigend bei, beobachtet möglichst wertfrei und schreibt mit, was er erlebt. </a:t>
-            </a:r>
-          </a:p>
-          <a:p>
-            <a:r>
-              <a:rPr lang="de-DE" sz="1200" dirty="0"/>
-              <a:t>Durch die Aufmerksamkeit, die der Navigator dem Piloten beim Üben schenkt, entsteht eine gute Grundspannung, die positive Auswirkungen auf die Qualität, die Effizienz, den Spaß beim Üben und die Verbreitung von Erfahrung und Wissen haben kann.</a:t>
+              <a:t>nicht neu geübt werden müssen.</a:t>
             </a:r>
             <a:endParaRPr lang="de-DE" sz="1200" dirty="0"/>
           </a:p>
@@ -1766,78 +1718,47 @@
           <a:p>
             <a:r>
               <a:rPr lang="de-DE" dirty="0"/>
-              <a:t>Trefft euch in 2 Wochen 4 mal, um zu zweit zu üben.</a:t>
+              <a:t>Übe in 2 Wochen ein Stück mit Deinem Phrasendiagramm. </a:t>
             </a:r>
           </a:p>
           <a:p>
             <a:r>
               <a:rPr lang="de-DE" dirty="0"/>
-              <a:t>Setzt eine Zeitspanne von mindestens 25 Minuten oder länger pro </a:t>
-            </a:r>
-            <a:r>
-              <a:rPr lang="de-DE" dirty="0" err="1"/>
-              <a:t>Übeeinheit</a:t>
+              <a:t>Übe die schwierigsten Stellen zuerst und so lange, bis Du sie </a:t>
+            </a:r>
+            <a:r>
+              <a:rPr lang="de-DE" dirty="0" smtClean="0"/>
+              <a:t>beherrschst</a:t>
             </a:r>
             <a:r>
               <a:rPr lang="de-DE" dirty="0"/>
-              <a:t> an. </a:t>
+              <a:t>. </a:t>
             </a:r>
           </a:p>
           <a:p>
             <a:r>
               <a:rPr lang="de-DE" dirty="0"/>
-              <a:t>Der Navigator schreibt mit, was er beobachtet. </a:t>
+              <a:t>Übe keine leichten Stellen.</a:t>
             </a:r>
           </a:p>
           <a:p>
             <a:r>
               <a:rPr lang="de-DE" dirty="0"/>
-              <a:t>Tauscht euch nach dem Üben darüber aus, was aufgeschrieben wurde.</a:t>
-            </a:r>
-          </a:p>
-          <a:p>
+              <a:t>Finde heraus, ab welcher Schwierigkeitsstufe, </a:t>
+            </a:r>
+            <a:r>
+              <a:rPr lang="de-DE" dirty="0" smtClean="0"/>
+              <a:t>Du </a:t>
+            </a:r>
             <a:r>
               <a:rPr lang="de-DE" dirty="0"/>
-              <a:t>Wechselt die Rollen, sodass innerhalb der 2 Wochen im gleichen Pärchen jeder zweimal Pilot und Navigator war.</a:t>
+              <a:t>nicht mehr üben musst, um es zu können, und zeichne dort eine Linie in Dein Phrasendiagramm. </a:t>
             </a:r>
           </a:p>
           <a:p>
             <a:r>
               <a:rPr lang="de-DE" dirty="0"/>
-              <a:t>Am Ende der 2 Wochen gibt es 4 Erlebnisprotokolle.</a:t>
-            </a:r>
-          </a:p>
-          <a:p>
-            <a:r>
-              <a:rPr lang="de-DE" dirty="0"/>
-              <a:t>Pilot und Navigator können sich nicht gegenseitig zertifizieren, sondern </a:t>
-            </a:r>
-            <a:r>
-              <a:rPr lang="de-DE" dirty="0" smtClean="0"/>
-              <a:t/>
-            </a:r>
-            <a:br>
-              <a:rPr lang="de-DE" dirty="0" smtClean="0"/>
-            </a:br>
-            <a:r>
-              <a:rPr lang="de-DE" dirty="0" smtClean="0"/>
-              <a:t>müssen </a:t>
-            </a:r>
-            <a:r>
-              <a:rPr lang="de-DE" dirty="0"/>
-              <a:t>von 2 zusätzlichen </a:t>
-            </a:r>
-            <a:r>
-              <a:rPr lang="de-DE" dirty="0" err="1"/>
-              <a:t>Reviewern</a:t>
-            </a:r>
-            <a:r>
-              <a:rPr lang="de-DE" dirty="0"/>
-              <a:t> zertifiziert </a:t>
-            </a:r>
-            <a:r>
-              <a:rPr lang="de-DE" dirty="0" smtClean="0"/>
-              <a:t>werden.</a:t>
+              <a:t>Zeige Deinem Team Dein Phrasendiagramm und lass Dich von ihm zertifizieren.</a:t>
             </a:r>
             <a:endParaRPr lang="de-DE" dirty="0"/>
           </a:p>

--- a/training-cards/music moves/01_musicmoves_templates/ger_apprentice_training_card_template_mm_cc.pptx
+++ b/training-cards/music moves/01_musicmoves_templates/ger_apprentice_training_card_template_mm_cc.pptx
@@ -105,6 +105,22 @@
       </a:defRPr>
     </a:lvl9pPr>
   </p:defaultTextStyle>
+  <p:extLst>
+    <p:ext uri="{EFAFB233-063F-42B5-8137-9DF3F51BA10A}">
+      <p15:sldGuideLst xmlns:p15="http://schemas.microsoft.com/office/powerpoint/2012/main">
+        <p15:guide id="1" orient="horz" pos="652">
+          <p15:clr>
+            <a:srgbClr val="A4A3A4"/>
+          </p15:clr>
+        </p15:guide>
+        <p15:guide id="2">
+          <p15:clr>
+            <a:srgbClr val="A4A3A4"/>
+          </p15:clr>
+        </p15:guide>
+      </p15:sldGuideLst>
+    </p:ext>
+  </p:extLst>
 </p:presentation>
 </file>
 
@@ -620,7 +636,7 @@
                 <a:latin typeface="Avenir Light"/>
                 <a:cs typeface="Avenir Light"/>
               </a:rPr>
-              <a:t>24.01.16</a:t>
+              <a:t>22.02.16</a:t>
             </a:fld>
             <a:endParaRPr lang="de-DE" sz="600" dirty="0">
               <a:solidFill>
@@ -702,7 +718,7 @@
           <a:p>
             <a:fld id="{FF5B2BAF-DF38-0A48-A798-0C06E514FD52}" type="datetimeFigureOut">
               <a:rPr lang="de-DE" smtClean="0"/>
-              <a:t>24.01.16</a:t>
+              <a:t>22.02.16</a:t>
             </a:fld>
             <a:endParaRPr lang="de-DE" dirty="0"/>
           </a:p>
@@ -924,7 +940,7 @@
           <a:p>
             <a:fld id="{FF5B2BAF-DF38-0A48-A798-0C06E514FD52}" type="datetimeFigureOut">
               <a:rPr lang="de-DE" smtClean="0"/>
-              <a:t>24.01.16</a:t>
+              <a:t>22.02.16</a:t>
             </a:fld>
             <a:endParaRPr lang="de-DE" dirty="0"/>
           </a:p>
@@ -1185,7 +1201,7 @@
                 <a:latin typeface="Avenir Heavy"/>
                 <a:cs typeface="Avenir Heavy"/>
               </a:rPr>
-              <a:t>ITE 03</a:t>
+              <a:t>TOM 20</a:t>
             </a:r>
             <a:endParaRPr lang="de-DE" sz="1050" b="1" dirty="0">
               <a:solidFill>
@@ -1580,11 +1596,11 @@
                 <a:latin typeface="Avenir Heavy"/>
                 <a:cs typeface="Avenir Heavy"/>
               </a:rPr>
-              <a:t>DIE MAGI</a:t>
+              <a:t>SPIELE MIT </a:t>
             </a:r>
             <a:r>
               <a:rPr lang="de-DE" dirty="0" smtClean="0"/>
-              <a:t>SCHE LINIE</a:t>
+              <a:t>DEM PLAN</a:t>
             </a:r>
             <a:endParaRPr lang="de-DE" dirty="0"/>
           </a:p>
@@ -1609,37 +1625,45 @@
           <a:p>
             <a:r>
               <a:rPr lang="de-DE" sz="1200" dirty="0"/>
-              <a:t>Wenn Du mit den Schwierigkeitsstufen des Phrasendiagramms arbeitest, wirst Du vielleicht bemerkt haben, dass Du einige schwierige Stellen üben musst und ab einer bestimmten Grenze das gesamte Stück beherrschst, obwohl Du Dich nur auf die schwierigsten Stellen konzentriert hast.</a:t>
+              <a:t>Wenn man sich vornimmt jeden Tag zu trainieren, einen Plan zu haben und seine Kapazität zu erfüllen, kann eine ganze Woche richtig lange sein.</a:t>
             </a:r>
           </a:p>
           <a:p>
             <a:r>
               <a:rPr lang="de-DE" sz="1200" dirty="0"/>
-              <a:t>Diese Grenze hat den Namen "magische Linie" bekommen. Du kannst sie in Deinem Phrasendiagramm finden. Sie lässt sich von dir subjektiv wahrnehmen und sitzt zwischen zwei Schwierigkeitsstufen. </a:t>
-            </a:r>
-          </a:p>
-          <a:p>
+              <a:t>Genauso wie ein </a:t>
+            </a:r>
+            <a:r>
+              <a:rPr lang="de-DE" sz="1200" dirty="0" err="1"/>
+              <a:t>Fussballspieler</a:t>
+            </a:r>
             <a:r>
               <a:rPr lang="de-DE" sz="1200" dirty="0"/>
-              <a:t>Die magische Linie ist in </a:t>
-            </a:r>
-            <a:r>
-              <a:rPr lang="de-DE" sz="1200" dirty="0" smtClean="0"/>
-              <a:t>jedem </a:t>
-            </a:r>
+              <a:t> Muskulatur aufbaut um 90 min auf dem Platz alles geben zu können, braucht jede andere Art von Beschäftigung, die man professionell, also ausdauernd und sich wiederholend machen möchte, eine Zeit für den Muskelaufbau.</a:t>
+            </a:r>
+          </a:p>
+          <a:p>
             <a:r>
               <a:rPr lang="de-DE" sz="1200" dirty="0"/>
-              <a:t>Stück an einer anderen Stelle zu finden. Wenn Du z.B. alle Phrasen mit einschließlich Schwierigkeitsstufe 4 geübt hast, bemerkst du plötzlich, dass alle Phrasen ab Stufe 3 plötzlich von selbst funktionieren und keine besondere Aufmerksamkeit von dir mehr benötigen.</a:t>
+              <a:t>Die Muskulatur, um die es hier geht, ist aber eher eine innere Kraft sich zu konzentrieren, aufnahmefähig zu sein und andererseits so "gut" zu arbeiten, dass mehr Energie gewonnen wird, als es kostet.</a:t>
             </a:r>
           </a:p>
           <a:p>
             <a:r>
               <a:rPr lang="de-DE" sz="1200" dirty="0"/>
-              <a:t>Das kommt daher, weil Du die Herausforderungen in dem Stück von Grund auf verinnerlicht hast und andere Stellen ähnlich gelagert sind und somit </a:t>
-            </a:r>
-            <a:r>
-              <a:rPr lang="de-DE" sz="1200" dirty="0" smtClean="0"/>
-              <a:t>nicht neu geübt werden müssen.</a:t>
+              <a:t>Genau wie körperliche Muskeln eine begrenzte Kapazität haben, haben "Arbeitsmuskeln" auch eine Obergrenze. </a:t>
+            </a:r>
+          </a:p>
+          <a:p>
+            <a:r>
+              <a:rPr lang="de-DE" sz="1200" dirty="0"/>
+              <a:t>Hier muss Du sehr achtsam mit Dir sein, denn Muskelkater gibt es hier bei Überlastung nicht. Dafür aber Müdigkeit, Unlust, Kopfweh oder Ähnliches.</a:t>
+            </a:r>
+          </a:p>
+          <a:p>
+            <a:r>
+              <a:rPr lang="de-DE" sz="1200" dirty="0"/>
+              <a:t>Wie auch im Sport ist ein gutes Training, ein Training, das diese Ausfallserscheinungen nicht produziert.</a:t>
             </a:r>
             <a:endParaRPr lang="de-DE" sz="1200" dirty="0"/>
           </a:p>
@@ -1713,54 +1737,85 @@
         </p:nvSpPr>
         <p:spPr/>
         <p:txBody>
-          <a:bodyPr/>
+          <a:bodyPr>
+            <a:normAutofit/>
+          </a:bodyPr>
           <a:lstStyle/>
           <a:p>
             <a:r>
-              <a:rPr lang="de-DE" dirty="0"/>
-              <a:t>Übe in 2 Wochen ein Stück mit Deinem Phrasendiagramm. </a:t>
-            </a:r>
-          </a:p>
-          <a:p>
-            <a:r>
-              <a:rPr lang="de-DE" dirty="0"/>
-              <a:t>Übe die schwierigsten Stellen zuerst und so lange, bis Du sie </a:t>
-            </a:r>
-            <a:r>
-              <a:rPr lang="de-DE" dirty="0" smtClean="0"/>
-              <a:t>beherrschst</a:t>
-            </a:r>
-            <a:r>
-              <a:rPr lang="de-DE" dirty="0"/>
-              <a:t>. </a:t>
-            </a:r>
-          </a:p>
-          <a:p>
-            <a:r>
-              <a:rPr lang="de-DE" dirty="0"/>
-              <a:t>Übe keine leichten Stellen.</a:t>
-            </a:r>
-          </a:p>
-          <a:p>
-            <a:r>
-              <a:rPr lang="de-DE" dirty="0"/>
-              <a:t>Finde heraus, ab welcher Schwierigkeitsstufe, </a:t>
-            </a:r>
-            <a:r>
-              <a:rPr lang="de-DE" dirty="0" smtClean="0"/>
-              <a:t>Du </a:t>
-            </a:r>
-            <a:r>
-              <a:rPr lang="de-DE" dirty="0"/>
-              <a:t>nicht mehr üben musst, um es zu können, und zeichne dort eine Linie in Dein Phrasendiagramm. </a:t>
-            </a:r>
-          </a:p>
-          <a:p>
-            <a:r>
-              <a:rPr lang="de-DE" dirty="0"/>
-              <a:t>Zeige Deinem Team Dein Phrasendiagramm und lass Dich von ihm zertifizieren.</a:t>
-            </a:r>
-            <a:endParaRPr lang="de-DE" dirty="0"/>
+              <a:rPr lang="de-DE" sz="1200" dirty="0"/>
+              <a:t>Plane zweimal eine halbe Woche am Stück.  +</a:t>
+            </a:r>
+            <a:endParaRPr lang="de-DE" sz="1200" dirty="0" smtClean="0"/>
+          </a:p>
+          <a:p>
+            <a:r>
+              <a:rPr lang="de-DE" sz="1200" dirty="0" smtClean="0"/>
+              <a:t>Lege </a:t>
+            </a:r>
+            <a:r>
+              <a:rPr lang="de-DE" sz="1200" dirty="0"/>
+              <a:t>fest, wie lange eine halbe Woche für dich dauert: 2, 3 oder 4 Tage. Nimm ein Maß, das Dir sehr leicht vorkommt. +</a:t>
+            </a:r>
+            <a:endParaRPr lang="de-DE" sz="1200" dirty="0" smtClean="0"/>
+          </a:p>
+          <a:p>
+            <a:r>
+              <a:rPr lang="de-DE" sz="1200" dirty="0" smtClean="0"/>
+              <a:t>Bestimme</a:t>
+            </a:r>
+            <a:r>
+              <a:rPr lang="de-DE" sz="1200" dirty="0"/>
+              <a:t>, bevor Du die Woche beginnst, die Wochentage, die du </a:t>
+            </a:r>
+            <a:r>
+              <a:rPr lang="de-DE" sz="1200" dirty="0" err="1"/>
+              <a:t>beplanen</a:t>
+            </a:r>
+            <a:r>
+              <a:rPr lang="de-DE" sz="1200" dirty="0"/>
+              <a:t> möchtest. +</a:t>
+            </a:r>
+            <a:endParaRPr lang="de-DE" sz="1200" dirty="0" smtClean="0"/>
+          </a:p>
+          <a:p>
+            <a:r>
+              <a:rPr lang="de-DE" sz="1200" dirty="0" smtClean="0"/>
+              <a:t>Schätze </a:t>
+            </a:r>
+            <a:r>
+              <a:rPr lang="de-DE" sz="1200" dirty="0"/>
+              <a:t>für jeden Tag Deine Kapazität (z.B. in Tomaten, siehe TOM 19) und dokumentiere am Abend, wie Dein Tag tatsächlich verlaufen ist. </a:t>
+            </a:r>
+          </a:p>
+          <a:p>
+            <a:r>
+              <a:rPr lang="de-DE" sz="1200" dirty="0"/>
+              <a:t>Zeige deine Dokumentation deinem Team, sprich mit </a:t>
+            </a:r>
+            <a:r>
+              <a:rPr lang="de-DE" sz="1200"/>
+              <a:t>Ihnen </a:t>
+            </a:r>
+            <a:r>
+              <a:rPr lang="de-DE" sz="1200" smtClean="0"/>
+              <a:t/>
+            </a:r>
+            <a:br>
+              <a:rPr lang="de-DE" sz="1200" smtClean="0"/>
+            </a:br>
+            <a:r>
+              <a:rPr lang="de-DE" sz="1200" smtClean="0"/>
+              <a:t>darüber </a:t>
+            </a:r>
+            <a:r>
+              <a:rPr lang="de-DE" sz="1200" dirty="0"/>
+              <a:t>und lass Dich von Ihnen zertifizieren.</a:t>
+            </a:r>
+            <a:endParaRPr lang="de-DE" sz="1200" dirty="0"/>
           </a:p>
         </p:txBody>
       </p:sp>
